--- a/VR Freifeld Pr/VRFreilfeldÜberarbeitet.pptx
+++ b/VR Freifeld Pr/VRFreilfeldÜberarbeitet.pptx
@@ -231,7 +231,7 @@
           <a:p>
             <a:fld id="{99E5730D-2E73-4F6E-AC4F-02B34FF65D79}" type="datetimeFigureOut">
               <a:rPr lang="en-US" smtClean="0"/>
-              <a:t>11/20/2017</a:t>
+              <a:t>1/7/2018</a:t>
             </a:fld>
             <a:endParaRPr lang="en-US"/>
           </a:p>
@@ -909,22 +909,13 @@
             </a:r>
             <a:r>
               <a:rPr lang="de-DE" baseline="0" dirty="0" smtClean="0"/>
-              <a:t> </a:t>
-            </a:r>
+              <a:t> 1. </a:t>
+            </a:r>
+          </a:p>
+          <a:p>
             <a:r>
               <a:rPr lang="de-DE" baseline="0" dirty="0" smtClean="0"/>
-              <a:t>1. </a:t>
-            </a:r>
-            <a:endParaRPr lang="de-DE" baseline="0" dirty="0" smtClean="0"/>
-          </a:p>
-          <a:p>
-            <a:r>
-              <a:rPr lang="de-DE" baseline="0" dirty="0" smtClean="0"/>
-              <a:t>sobald </a:t>
-            </a:r>
-            <a:r>
-              <a:rPr lang="de-DE" baseline="0" dirty="0" smtClean="0"/>
-              <a:t>der Proband in der Lage ist seine Auswahl innerhalb der VR zu treffen kann bzw. muss auch ein Möglichkeit zur Speicherung der Antworten implementiert werden</a:t>
+              <a:t>sobald der Proband in der Lage ist seine Auswahl innerhalb der VR zu treffen kann bzw. muss auch ein Möglichkeit zur Speicherung der Antworten implementiert werden</a:t>
             </a:r>
             <a:endParaRPr lang="de-DE" dirty="0"/>
           </a:p>
@@ -1612,11 +1603,7 @@
             </a:r>
             <a:r>
               <a:rPr lang="de-DE" baseline="0" dirty="0" smtClean="0"/>
-              <a:t> den Sound </a:t>
-            </a:r>
-            <a:r>
-              <a:rPr lang="de-DE" baseline="0" dirty="0" smtClean="0"/>
-              <a:t>wahrnimmt</a:t>
+              <a:t> den Sound wahrnimmt</a:t>
             </a:r>
           </a:p>
           <a:p>
@@ -1941,11 +1928,7 @@
           <a:p>
             <a:r>
               <a:rPr lang="en-US" dirty="0" smtClean="0"/>
-              <a:t>The size of room that is being simulated by Spatial Sound. The approximate sizes of the rooms are; small (an office to a small conference room), medium (a large conference room) and large (an auditorium). You can also specify a room size of none to simulate an outdoor environment. The default room size is small</a:t>
-            </a:r>
-            <a:r>
-              <a:rPr lang="en-US" dirty="0" smtClean="0"/>
-              <a:t>.</a:t>
+              <a:t>The size of room that is being simulated by Spatial Sound. The approximate sizes of the rooms are; small (an office to a small conference room), medium (a large conference room) and large (an auditorium). You can also specify a room size of none to simulate an outdoor environment. The default room size is small.</a:t>
             </a:r>
           </a:p>
           <a:p>
@@ -2313,23 +2296,11 @@
           <a:p>
             <a:r>
               <a:rPr lang="de-DE" dirty="0" smtClean="0"/>
-              <a:t>Signalanzahl, Anzeigemodus ( </a:t>
-            </a:r>
-            <a:r>
-              <a:rPr lang="de-DE" dirty="0" smtClean="0"/>
-              <a:t>wahrheitsgemäß</a:t>
+              <a:t>Signalanzahl, Anzeigemodus ( wahrheitsgemäß</a:t>
             </a:r>
             <a:r>
               <a:rPr lang="de-DE" baseline="0" dirty="0" smtClean="0"/>
-              <a:t> </a:t>
-            </a:r>
-            <a:r>
-              <a:rPr lang="de-DE" baseline="0" dirty="0" smtClean="0"/>
-              <a:t>oder nicht</a:t>
-            </a:r>
-            <a:r>
-              <a:rPr lang="de-DE" baseline="0" dirty="0" smtClean="0"/>
-              <a:t>)</a:t>
+              <a:t> oder nicht)</a:t>
             </a:r>
           </a:p>
           <a:p>
@@ -2583,7 +2554,7 @@
           <a:p>
             <a:fld id="{1A87095E-47DE-4BFC-B2F0-E5BBB5117B7F}" type="datetimeFigureOut">
               <a:rPr lang="en-US" smtClean="0"/>
-              <a:t>11/20/2017</a:t>
+              <a:t>1/7/2018</a:t>
             </a:fld>
             <a:endParaRPr lang="en-US"/>
           </a:p>
@@ -2753,7 +2724,7 @@
           <a:p>
             <a:fld id="{1A87095E-47DE-4BFC-B2F0-E5BBB5117B7F}" type="datetimeFigureOut">
               <a:rPr lang="en-US" smtClean="0"/>
-              <a:t>11/20/2017</a:t>
+              <a:t>1/7/2018</a:t>
             </a:fld>
             <a:endParaRPr lang="en-US"/>
           </a:p>
@@ -2933,7 +2904,7 @@
           <a:p>
             <a:fld id="{1A87095E-47DE-4BFC-B2F0-E5BBB5117B7F}" type="datetimeFigureOut">
               <a:rPr lang="en-US" smtClean="0"/>
-              <a:t>11/20/2017</a:t>
+              <a:t>1/7/2018</a:t>
             </a:fld>
             <a:endParaRPr lang="en-US"/>
           </a:p>
@@ -3103,7 +3074,7 @@
           <a:p>
             <a:fld id="{1A87095E-47DE-4BFC-B2F0-E5BBB5117B7F}" type="datetimeFigureOut">
               <a:rPr lang="en-US" smtClean="0"/>
-              <a:t>11/20/2017</a:t>
+              <a:t>1/7/2018</a:t>
             </a:fld>
             <a:endParaRPr lang="en-US"/>
           </a:p>
@@ -3349,7 +3320,7 @@
           <a:p>
             <a:fld id="{1A87095E-47DE-4BFC-B2F0-E5BBB5117B7F}" type="datetimeFigureOut">
               <a:rPr lang="en-US" smtClean="0"/>
-              <a:t>11/20/2017</a:t>
+              <a:t>1/7/2018</a:t>
             </a:fld>
             <a:endParaRPr lang="en-US"/>
           </a:p>
@@ -3637,7 +3608,7 @@
           <a:p>
             <a:fld id="{1A87095E-47DE-4BFC-B2F0-E5BBB5117B7F}" type="datetimeFigureOut">
               <a:rPr lang="en-US" smtClean="0"/>
-              <a:t>11/20/2017</a:t>
+              <a:t>1/7/2018</a:t>
             </a:fld>
             <a:endParaRPr lang="en-US"/>
           </a:p>
@@ -4059,7 +4030,7 @@
           <a:p>
             <a:fld id="{1A87095E-47DE-4BFC-B2F0-E5BBB5117B7F}" type="datetimeFigureOut">
               <a:rPr lang="en-US" smtClean="0"/>
-              <a:t>11/20/2017</a:t>
+              <a:t>1/7/2018</a:t>
             </a:fld>
             <a:endParaRPr lang="en-US"/>
           </a:p>
@@ -4177,7 +4148,7 @@
           <a:p>
             <a:fld id="{1A87095E-47DE-4BFC-B2F0-E5BBB5117B7F}" type="datetimeFigureOut">
               <a:rPr lang="en-US" smtClean="0"/>
-              <a:t>11/20/2017</a:t>
+              <a:t>1/7/2018</a:t>
             </a:fld>
             <a:endParaRPr lang="en-US"/>
           </a:p>
@@ -4272,7 +4243,7 @@
           <a:p>
             <a:fld id="{1A87095E-47DE-4BFC-B2F0-E5BBB5117B7F}" type="datetimeFigureOut">
               <a:rPr lang="en-US" smtClean="0"/>
-              <a:t>11/20/2017</a:t>
+              <a:t>1/7/2018</a:t>
             </a:fld>
             <a:endParaRPr lang="en-US"/>
           </a:p>
@@ -4549,7 +4520,7 @@
           <a:p>
             <a:fld id="{1A87095E-47DE-4BFC-B2F0-E5BBB5117B7F}" type="datetimeFigureOut">
               <a:rPr lang="en-US" smtClean="0"/>
-              <a:t>11/20/2017</a:t>
+              <a:t>1/7/2018</a:t>
             </a:fld>
             <a:endParaRPr lang="en-US"/>
           </a:p>
@@ -4802,7 +4773,7 @@
           <a:p>
             <a:fld id="{1A87095E-47DE-4BFC-B2F0-E5BBB5117B7F}" type="datetimeFigureOut">
               <a:rPr lang="en-US" smtClean="0"/>
-              <a:t>11/20/2017</a:t>
+              <a:t>1/7/2018</a:t>
             </a:fld>
             <a:endParaRPr lang="en-US"/>
           </a:p>
@@ -5015,7 +4986,7 @@
           <a:p>
             <a:fld id="{1A87095E-47DE-4BFC-B2F0-E5BBB5117B7F}" type="datetimeFigureOut">
               <a:rPr lang="en-US" smtClean="0"/>
-              <a:t>11/20/2017</a:t>
+              <a:t>1/7/2018</a:t>
             </a:fld>
             <a:endParaRPr lang="en-US"/>
           </a:p>
@@ -5497,7 +5468,7 @@
               <a:rPr lang="de-DE" sz="1200" smtClean="0">
                 <a:latin typeface="+mj-lt"/>
               </a:rPr>
-              <a:t>20.11.2017</a:t>
+              <a:t>07.01.2018</a:t>
             </a:fld>
             <a:endParaRPr lang="en-US" sz="1200" dirty="0">
               <a:latin typeface="+mj-lt"/>
@@ -5874,7 +5845,7 @@
               <a:rPr lang="de-DE" sz="1200" smtClean="0">
                 <a:latin typeface="+mj-lt"/>
               </a:rPr>
-              <a:t>20.11.2017</a:t>
+              <a:t>07.01.2018</a:t>
             </a:fld>
             <a:endParaRPr lang="en-US" sz="1200" dirty="0">
               <a:latin typeface="+mj-lt"/>
@@ -6254,13 +6225,8 @@
             <a:pPr lvl="4" algn="just"/>
             <a:r>
               <a:rPr lang="de-DE" sz="2000" dirty="0" smtClean="0"/>
-              <a:t>der  Schallrichtung </a:t>
-            </a:r>
-            <a:r>
-              <a:rPr lang="de-DE" sz="2000" dirty="0" smtClean="0"/>
-              <a:t>entspricht</a:t>
-            </a:r>
-            <a:endParaRPr lang="de-DE" sz="2000" dirty="0" smtClean="0"/>
+              <a:t>der  Schallrichtung entspricht</a:t>
+            </a:r>
           </a:p>
           <a:p>
             <a:pPr marL="342900" indent="-342900" algn="just">
@@ -6280,11 +6246,7 @@
             <a:pPr algn="just"/>
             <a:r>
               <a:rPr lang="de-DE" sz="2000" dirty="0" smtClean="0"/>
-              <a:t>                               </a:t>
-            </a:r>
-            <a:r>
-              <a:rPr lang="de-DE" sz="2000" dirty="0" smtClean="0"/>
-              <a:t>Programmdurchlauf wiedergegeben </a:t>
+              <a:t>                               Programmdurchlauf wiedergegeben </a:t>
             </a:r>
           </a:p>
           <a:p>
@@ -6563,7 +6525,7 @@
               <a:rPr lang="de-DE" sz="1200" smtClean="0">
                 <a:latin typeface="+mj-lt"/>
               </a:rPr>
-              <a:t>20.11.2017</a:t>
+              <a:t>07.01.2018</a:t>
             </a:fld>
             <a:endParaRPr lang="en-US" sz="1200" dirty="0">
               <a:latin typeface="+mj-lt"/>
@@ -7252,7 +7214,7 @@
               <a:rPr lang="de-DE" sz="1200" smtClean="0">
                 <a:latin typeface="+mj-lt"/>
               </a:rPr>
-              <a:t>20.11.2017</a:t>
+              <a:t>07.01.2018</a:t>
             </a:fld>
             <a:endParaRPr lang="en-US" sz="1200" dirty="0">
               <a:latin typeface="+mj-lt"/>
@@ -7666,11 +7628,7 @@
             <a:pPr algn="just"/>
             <a:r>
               <a:rPr lang="de-DE" sz="2000" b="1" i="1" dirty="0" smtClean="0"/>
-              <a:t>Umgebungseffekte</a:t>
-            </a:r>
-            <a:r>
-              <a:rPr lang="de-DE" sz="2000" b="1" i="1" dirty="0" smtClean="0"/>
-              <a:t>:</a:t>
+              <a:t>Umgebungseffekte:</a:t>
             </a:r>
           </a:p>
           <a:p>
@@ -7984,7 +7942,7 @@
               <a:rPr lang="de-DE" sz="1200" smtClean="0">
                 <a:latin typeface="+mj-lt"/>
               </a:rPr>
-              <a:t>20.11.2017</a:t>
+              <a:t>07.01.2018</a:t>
             </a:fld>
             <a:endParaRPr lang="en-US" sz="1200" dirty="0">
               <a:latin typeface="+mj-lt"/>
@@ -8592,7 +8550,7 @@
               <a:rPr lang="de-DE" sz="1200" smtClean="0">
                 <a:latin typeface="+mj-lt"/>
               </a:rPr>
-              <a:t>20.11.2017</a:t>
+              <a:t>07.01.2018</a:t>
             </a:fld>
             <a:endParaRPr lang="en-US" sz="1200" dirty="0">
               <a:latin typeface="+mj-lt"/>
@@ -9029,13 +8987,8 @@
             </a:r>
             <a:r>
               <a:rPr lang="de-DE" sz="1400" dirty="0" smtClean="0"/>
-              <a:t>VR-Setup lässt </a:t>
-            </a:r>
-            <a:r>
-              <a:rPr lang="de-DE" sz="1400" dirty="0" smtClean="0"/>
-              <a:t>sich für jeden Anwendungsfall  über ein UI anpassen </a:t>
-            </a:r>
-            <a:endParaRPr lang="de-DE" sz="1400" dirty="0" smtClean="0"/>
+              <a:t>VR-Setup lässt sich für jeden Anwendungsfall  über ein UI anpassen </a:t>
+            </a:r>
           </a:p>
           <a:p>
             <a:pPr algn="just"/>
@@ -9308,7 +9261,7 @@
               <a:rPr lang="de-DE" sz="1200" smtClean="0">
                 <a:latin typeface="+mj-lt"/>
               </a:rPr>
-              <a:t>20.11.2017</a:t>
+              <a:t>07.01.2018</a:t>
             </a:fld>
             <a:endParaRPr lang="en-US" sz="1200" dirty="0">
               <a:latin typeface="+mj-lt"/>
@@ -9620,11 +9573,19 @@
             <a:pPr algn="just"/>
             <a:r>
               <a:rPr lang="en-US" sz="1400" b="1" dirty="0"/>
-              <a:t>[1] </a:t>
+              <a:t>[</a:t>
+            </a:r>
+            <a:r>
+              <a:rPr lang="en-US" sz="1400" b="1" dirty="0" smtClean="0"/>
+              <a:t>1] </a:t>
+            </a:r>
+            <a:r>
+              <a:rPr lang="en-US" sz="1400" dirty="0" smtClean="0"/>
+              <a:t>Gardner</a:t>
             </a:r>
             <a:r>
               <a:rPr lang="en-US" sz="1400" dirty="0"/>
-              <a:t>Gardner, B</a:t>
+              <a:t>, B</a:t>
             </a:r>
             <a:r>
               <a:rPr lang="en-US" sz="1400" dirty="0" smtClean="0"/>
@@ -10144,7 +10105,7 @@
               <a:rPr lang="de-DE" sz="1200" smtClean="0">
                 <a:latin typeface="+mj-lt"/>
               </a:rPr>
-              <a:t>20.11.2017</a:t>
+              <a:t>07.01.2018</a:t>
             </a:fld>
             <a:endParaRPr lang="en-US" sz="1200" dirty="0">
               <a:latin typeface="+mj-lt"/>
@@ -10714,7 +10675,7 @@
               <a:rPr lang="de-DE" sz="1200" smtClean="0">
                 <a:latin typeface="+mj-lt"/>
               </a:rPr>
-              <a:t>20.11.2017</a:t>
+              <a:t>07.01.2018</a:t>
             </a:fld>
             <a:endParaRPr lang="en-US" sz="1200" dirty="0">
               <a:latin typeface="+mj-lt"/>
@@ -11051,7 +11012,6 @@
               <a:rPr lang="de-DE" sz="2000" i="1" dirty="0" smtClean="0"/>
               <a:t> </a:t>
             </a:r>
-            <a:endParaRPr lang="de-DE" sz="2000" i="1" dirty="0" smtClean="0"/>
           </a:p>
         </p:txBody>
       </p:sp>
@@ -11446,7 +11406,7 @@
               <a:rPr lang="de-DE" sz="1200" smtClean="0">
                 <a:latin typeface="+mj-lt"/>
               </a:rPr>
-              <a:t>20.11.2017</a:t>
+              <a:t>07.01.2018</a:t>
             </a:fld>
             <a:endParaRPr lang="en-US" sz="1200" dirty="0">
               <a:latin typeface="+mj-lt"/>
@@ -11783,7 +11743,6 @@
               <a:rPr lang="de-DE" sz="2000" i="1" dirty="0" smtClean="0"/>
               <a:t> </a:t>
             </a:r>
-            <a:endParaRPr lang="de-DE" sz="2000" i="1" dirty="0" smtClean="0"/>
           </a:p>
         </p:txBody>
       </p:sp>
@@ -12186,7 +12145,7 @@
               <a:rPr lang="de-DE" sz="1200" smtClean="0">
                 <a:latin typeface="+mj-lt"/>
               </a:rPr>
-              <a:t>20.11.2017</a:t>
+              <a:t>07.01.2018</a:t>
             </a:fld>
             <a:endParaRPr lang="en-US" sz="1200" dirty="0">
               <a:latin typeface="+mj-lt"/>
@@ -12903,7 +12862,7 @@
               <a:rPr lang="de-DE" sz="1200" smtClean="0">
                 <a:latin typeface="+mj-lt"/>
               </a:rPr>
-              <a:t>20.11.2017</a:t>
+              <a:t>07.01.2018</a:t>
             </a:fld>
             <a:endParaRPr lang="en-US" sz="1200" dirty="0">
               <a:latin typeface="+mj-lt"/>
@@ -13612,7 +13571,7 @@
               <a:rPr lang="de-DE" sz="1200" smtClean="0">
                 <a:latin typeface="+mj-lt"/>
               </a:rPr>
-              <a:t>20.11.2017</a:t>
+              <a:t>07.01.2018</a:t>
             </a:fld>
             <a:endParaRPr lang="en-US" sz="1200" dirty="0">
               <a:latin typeface="+mj-lt"/>
@@ -14053,17 +14012,12 @@
               <a:rPr lang="de-DE" sz="2000" dirty="0" smtClean="0"/>
               <a:t>von</a:t>
             </a:r>
-            <a:endParaRPr lang="de-DE" sz="2000" dirty="0" smtClean="0"/>
           </a:p>
           <a:p>
             <a:pPr algn="just"/>
             <a:r>
               <a:rPr lang="de-DE" sz="2000" dirty="0" smtClean="0"/>
-              <a:t>3D </a:t>
-            </a:r>
-            <a:r>
-              <a:rPr lang="de-DE" sz="2000" dirty="0" smtClean="0"/>
-              <a:t>Engine beeinflusst </a:t>
+              <a:t>3D Engine beeinflusst </a:t>
             </a:r>
           </a:p>
           <a:p>
@@ -14072,7 +14026,6 @@
               <a:rPr lang="de-DE" sz="2000" dirty="0" smtClean="0"/>
               <a:t>wird.</a:t>
             </a:r>
-            <a:endParaRPr lang="de-DE" sz="2000" dirty="0" smtClean="0"/>
           </a:p>
           <a:p>
             <a:pPr marL="342900" indent="-342900" algn="just">
@@ -14428,7 +14381,7 @@
               <a:rPr lang="de-DE" sz="1200" smtClean="0">
                 <a:latin typeface="+mj-lt"/>
               </a:rPr>
-              <a:t>20.11.2017</a:t>
+              <a:t>07.01.2018</a:t>
             </a:fld>
             <a:endParaRPr lang="en-US" sz="1200" dirty="0">
               <a:latin typeface="+mj-lt"/>
@@ -14774,11 +14727,7 @@
             </a:r>
             <a:r>
               <a:rPr lang="de-DE" sz="2000" b="1" i="1" dirty="0" smtClean="0"/>
-              <a:t> </a:t>
-            </a:r>
-            <a:r>
-              <a:rPr lang="de-DE" sz="2000" b="1" i="1" dirty="0" smtClean="0"/>
-              <a:t>Size:</a:t>
+              <a:t> Size:</a:t>
             </a:r>
             <a:r>
               <a:rPr lang="de-DE" sz="2000" dirty="0" smtClean="0"/>
@@ -15072,7 +15021,7 @@
               <a:rPr lang="de-DE" sz="1200" smtClean="0">
                 <a:latin typeface="+mj-lt"/>
               </a:rPr>
-              <a:t>20.11.2017</a:t>
+              <a:t>07.01.2018</a:t>
             </a:fld>
             <a:endParaRPr lang="en-US" sz="1200" dirty="0">
               <a:latin typeface="+mj-lt"/>
@@ -15814,7 +15763,7 @@
               <a:rPr lang="de-DE" sz="1200" smtClean="0">
                 <a:latin typeface="+mj-lt"/>
               </a:rPr>
-              <a:t>20.11.2017</a:t>
+              <a:t>07.01.2018</a:t>
             </a:fld>
             <a:endParaRPr lang="en-US" sz="1200" dirty="0">
               <a:latin typeface="+mj-lt"/>
